--- a/page/UI_design.pptx
+++ b/page/UI_design.pptx
@@ -116,6 +116,11 @@
       </a:defRPr>
     </a:lvl9pPr>
   </p:defaultTextStyle>
+  <p:extLst>
+    <p:ext uri="{EFAFB233-063F-42B5-8137-9DF3F51BA10A}">
+      <p15:sldGuideLst xmlns:p15="http://schemas.microsoft.com/office/powerpoint/2012/main"/>
+    </p:ext>
+  </p:extLst>
 </p:presentation>
 </file>
 
@@ -266,7 +271,7 @@
           <a:p>
             <a:fld id="{F1C23D62-3330-9440-9E8C-E3C78E5E61BA}" type="datetimeFigureOut">
               <a:rPr kumimoji="1" lang="ja-JP" altLang="en-US" smtClean="0"/>
-              <a:t>2024/8/15</a:t>
+              <a:t>2024/8/27</a:t>
             </a:fld>
             <a:endParaRPr kumimoji="1" lang="ja-JP" altLang="en-US"/>
           </a:p>
@@ -496,7 +501,7 @@
           <a:p>
             <a:fld id="{F1C23D62-3330-9440-9E8C-E3C78E5E61BA}" type="datetimeFigureOut">
               <a:rPr kumimoji="1" lang="ja-JP" altLang="en-US" smtClean="0"/>
-              <a:t>2024/8/15</a:t>
+              <a:t>2024/8/27</a:t>
             </a:fld>
             <a:endParaRPr kumimoji="1" lang="ja-JP" altLang="en-US"/>
           </a:p>
@@ -736,7 +741,7 @@
           <a:p>
             <a:fld id="{F1C23D62-3330-9440-9E8C-E3C78E5E61BA}" type="datetimeFigureOut">
               <a:rPr kumimoji="1" lang="ja-JP" altLang="en-US" smtClean="0"/>
-              <a:t>2024/8/15</a:t>
+              <a:t>2024/8/27</a:t>
             </a:fld>
             <a:endParaRPr kumimoji="1" lang="ja-JP" altLang="en-US"/>
           </a:p>
@@ -966,7 +971,7 @@
           <a:p>
             <a:fld id="{F1C23D62-3330-9440-9E8C-E3C78E5E61BA}" type="datetimeFigureOut">
               <a:rPr kumimoji="1" lang="ja-JP" altLang="en-US" smtClean="0"/>
-              <a:t>2024/8/15</a:t>
+              <a:t>2024/8/27</a:t>
             </a:fld>
             <a:endParaRPr kumimoji="1" lang="ja-JP" altLang="en-US"/>
           </a:p>
@@ -1241,7 +1246,7 @@
           <a:p>
             <a:fld id="{F1C23D62-3330-9440-9E8C-E3C78E5E61BA}" type="datetimeFigureOut">
               <a:rPr kumimoji="1" lang="ja-JP" altLang="en-US" smtClean="0"/>
-              <a:t>2024/8/15</a:t>
+              <a:t>2024/8/27</a:t>
             </a:fld>
             <a:endParaRPr kumimoji="1" lang="ja-JP" altLang="en-US"/>
           </a:p>
@@ -1570,7 +1575,7 @@
           <a:p>
             <a:fld id="{F1C23D62-3330-9440-9E8C-E3C78E5E61BA}" type="datetimeFigureOut">
               <a:rPr kumimoji="1" lang="ja-JP" altLang="en-US" smtClean="0"/>
-              <a:t>2024/8/15</a:t>
+              <a:t>2024/8/27</a:t>
             </a:fld>
             <a:endParaRPr kumimoji="1" lang="ja-JP" altLang="en-US"/>
           </a:p>
@@ -2046,7 +2051,7 @@
           <a:p>
             <a:fld id="{F1C23D62-3330-9440-9E8C-E3C78E5E61BA}" type="datetimeFigureOut">
               <a:rPr kumimoji="1" lang="ja-JP" altLang="en-US" smtClean="0"/>
-              <a:t>2024/8/15</a:t>
+              <a:t>2024/8/27</a:t>
             </a:fld>
             <a:endParaRPr kumimoji="1" lang="ja-JP" altLang="en-US"/>
           </a:p>
@@ -2187,7 +2192,7 @@
           <a:p>
             <a:fld id="{F1C23D62-3330-9440-9E8C-E3C78E5E61BA}" type="datetimeFigureOut">
               <a:rPr kumimoji="1" lang="ja-JP" altLang="en-US" smtClean="0"/>
-              <a:t>2024/8/15</a:t>
+              <a:t>2024/8/27</a:t>
             </a:fld>
             <a:endParaRPr kumimoji="1" lang="ja-JP" altLang="en-US"/>
           </a:p>
@@ -2300,7 +2305,7 @@
           <a:p>
             <a:fld id="{F1C23D62-3330-9440-9E8C-E3C78E5E61BA}" type="datetimeFigureOut">
               <a:rPr kumimoji="1" lang="ja-JP" altLang="en-US" smtClean="0"/>
-              <a:t>2024/8/15</a:t>
+              <a:t>2024/8/27</a:t>
             </a:fld>
             <a:endParaRPr kumimoji="1" lang="ja-JP" altLang="en-US"/>
           </a:p>
@@ -2643,7 +2648,7 @@
           <a:p>
             <a:fld id="{F1C23D62-3330-9440-9E8C-E3C78E5E61BA}" type="datetimeFigureOut">
               <a:rPr kumimoji="1" lang="ja-JP" altLang="en-US" smtClean="0"/>
-              <a:t>2024/8/15</a:t>
+              <a:t>2024/8/27</a:t>
             </a:fld>
             <a:endParaRPr kumimoji="1" lang="ja-JP" altLang="en-US"/>
           </a:p>
@@ -2931,7 +2936,7 @@
           <a:p>
             <a:fld id="{F1C23D62-3330-9440-9E8C-E3C78E5E61BA}" type="datetimeFigureOut">
               <a:rPr kumimoji="1" lang="ja-JP" altLang="en-US" smtClean="0"/>
-              <a:t>2024/8/15</a:t>
+              <a:t>2024/8/27</a:t>
             </a:fld>
             <a:endParaRPr kumimoji="1" lang="ja-JP" altLang="en-US"/>
           </a:p>
@@ -3204,7 +3209,7 @@
           <a:p>
             <a:fld id="{F1C23D62-3330-9440-9E8C-E3C78E5E61BA}" type="datetimeFigureOut">
               <a:rPr kumimoji="1" lang="ja-JP" altLang="en-US" smtClean="0"/>
-              <a:t>2024/8/15</a:t>
+              <a:t>2024/8/27</a:t>
             </a:fld>
             <a:endParaRPr kumimoji="1" lang="ja-JP" altLang="en-US"/>
           </a:p>
@@ -7270,58 +7275,6 @@
       </p:cxnSp>
       <p:sp>
         <p:nvSpPr>
-          <p:cNvPr id="21" name="正方形/長方形 20">
-            <a:extLst>
-              <a:ext uri="{FF2B5EF4-FFF2-40B4-BE49-F238E27FC236}">
-                <a16:creationId xmlns:a16="http://schemas.microsoft.com/office/drawing/2014/main" id="{7D3E6A8F-9BD2-0BA8-AA2D-83E13BAD43A2}"/>
-              </a:ext>
-            </a:extLst>
-          </p:cNvPr>
-          <p:cNvSpPr/>
-          <p:nvPr/>
-        </p:nvSpPr>
-        <p:spPr>
-          <a:xfrm>
-            <a:off x="1619955" y="6002866"/>
-            <a:ext cx="8952089" cy="689482"/>
-          </a:xfrm>
-          <a:prstGeom prst="rect">
-            <a:avLst/>
-          </a:prstGeom>
-          <a:solidFill>
-            <a:schemeClr val="bg1"/>
-          </a:solidFill>
-          <a:ln>
-            <a:noFill/>
-          </a:ln>
-        </p:spPr>
-        <p:style>
-          <a:lnRef idx="2">
-            <a:schemeClr val="accent1">
-              <a:shade val="15000"/>
-            </a:schemeClr>
-          </a:lnRef>
-          <a:fillRef idx="1">
-            <a:schemeClr val="accent1"/>
-          </a:fillRef>
-          <a:effectRef idx="0">
-            <a:schemeClr val="accent1"/>
-          </a:effectRef>
-          <a:fontRef idx="minor">
-            <a:schemeClr val="lt1"/>
-          </a:fontRef>
-        </p:style>
-        <p:txBody>
-          <a:bodyPr rtlCol="0" anchor="ctr"/>
-          <a:lstStyle/>
-          <a:p>
-            <a:pPr algn="ctr"/>
-            <a:endParaRPr kumimoji="1" lang="ja-JP" altLang="en-US"/>
-          </a:p>
-        </p:txBody>
-      </p:sp>
-      <p:sp>
-        <p:nvSpPr>
           <p:cNvPr id="12" name="角丸四角形 11">
             <a:extLst>
               <a:ext uri="{FF2B5EF4-FFF2-40B4-BE49-F238E27FC236}">
@@ -9977,7 +9930,15 @@
           <a:lstStyle/>
           <a:p>
             <a:pPr algn="ctr"/>
-            <a:endParaRPr kumimoji="1" lang="ja-JP" altLang="en-US"/>
+            <a:r>
+              <a:rPr kumimoji="1" lang="en" altLang="ja-JP" dirty="0"/>
+              <a:t>git rm --cached </a:t>
+            </a:r>
+            <a:r>
+              <a:rPr kumimoji="1" lang="en" altLang="ja-JP" dirty="0" err="1"/>
+              <a:t>patctory</a:t>
+            </a:r>
+            <a:endParaRPr kumimoji="1" lang="en" altLang="ja-JP" dirty="0"/>
           </a:p>
         </p:txBody>
       </p:sp>
@@ -10145,58 +10106,6 @@
           </a:fontRef>
         </p:style>
       </p:cxnSp>
-      <p:sp>
-        <p:nvSpPr>
-          <p:cNvPr id="21" name="正方形/長方形 20">
-            <a:extLst>
-              <a:ext uri="{FF2B5EF4-FFF2-40B4-BE49-F238E27FC236}">
-                <a16:creationId xmlns:a16="http://schemas.microsoft.com/office/drawing/2014/main" id="{7D3E6A8F-9BD2-0BA8-AA2D-83E13BAD43A2}"/>
-              </a:ext>
-            </a:extLst>
-          </p:cNvPr>
-          <p:cNvSpPr/>
-          <p:nvPr/>
-        </p:nvSpPr>
-        <p:spPr>
-          <a:xfrm>
-            <a:off x="1619955" y="6002866"/>
-            <a:ext cx="8952089" cy="689482"/>
-          </a:xfrm>
-          <a:prstGeom prst="rect">
-            <a:avLst/>
-          </a:prstGeom>
-          <a:solidFill>
-            <a:schemeClr val="bg1"/>
-          </a:solidFill>
-          <a:ln>
-            <a:noFill/>
-          </a:ln>
-        </p:spPr>
-        <p:style>
-          <a:lnRef idx="2">
-            <a:schemeClr val="accent1">
-              <a:shade val="15000"/>
-            </a:schemeClr>
-          </a:lnRef>
-          <a:fillRef idx="1">
-            <a:schemeClr val="accent1"/>
-          </a:fillRef>
-          <a:effectRef idx="0">
-            <a:schemeClr val="accent1"/>
-          </a:effectRef>
-          <a:fontRef idx="minor">
-            <a:schemeClr val="lt1"/>
-          </a:fontRef>
-        </p:style>
-        <p:txBody>
-          <a:bodyPr rtlCol="0" anchor="ctr"/>
-          <a:lstStyle/>
-          <a:p>
-            <a:pPr algn="ctr"/>
-            <a:endParaRPr kumimoji="1" lang="ja-JP" altLang="en-US"/>
-          </a:p>
-        </p:txBody>
-      </p:sp>
       <p:pic>
         <p:nvPicPr>
           <p:cNvPr id="16" name="図 15" descr="アイコン&#10;&#10;自動的に生成された説明">
@@ -10607,7 +10516,7 @@
         </p:nvSpPr>
         <p:spPr>
           <a:xfrm>
-            <a:off x="1853353" y="4287540"/>
+            <a:off x="1853353" y="4187512"/>
             <a:ext cx="1954381" cy="369332"/>
           </a:xfrm>
           <a:prstGeom prst="rect">
@@ -10643,8 +10552,8 @@
         </p:nvSpPr>
         <p:spPr>
           <a:xfrm>
-            <a:off x="1948070" y="4643278"/>
-            <a:ext cx="2409793" cy="1264035"/>
+            <a:off x="1948070" y="4538293"/>
+            <a:ext cx="2409793" cy="927879"/>
           </a:xfrm>
           <a:prstGeom prst="rect">
             <a:avLst/>
@@ -10888,6 +10797,78 @@
           </p:txBody>
         </p:sp>
       </p:grpSp>
+      <p:sp>
+        <p:nvSpPr>
+          <p:cNvPr id="14" name="角丸四角形 13">
+            <a:extLst>
+              <a:ext uri="{FF2B5EF4-FFF2-40B4-BE49-F238E27FC236}">
+                <a16:creationId xmlns:a16="http://schemas.microsoft.com/office/drawing/2014/main" id="{AD50BD33-3B29-CF6D-0F22-FE8B0B297F5E}"/>
+              </a:ext>
+            </a:extLst>
+          </p:cNvPr>
+          <p:cNvSpPr/>
+          <p:nvPr/>
+        </p:nvSpPr>
+        <p:spPr>
+          <a:xfrm>
+            <a:off x="3068168" y="5562511"/>
+            <a:ext cx="1289695" cy="316219"/>
+          </a:xfrm>
+          <a:prstGeom prst="roundRect">
+            <a:avLst/>
+          </a:prstGeom>
+          <a:solidFill>
+            <a:schemeClr val="accent1">
+              <a:lumMod val="60000"/>
+              <a:lumOff val="40000"/>
+            </a:schemeClr>
+          </a:solidFill>
+          <a:ln>
+            <a:solidFill>
+              <a:schemeClr val="accent1">
+                <a:lumMod val="40000"/>
+                <a:lumOff val="60000"/>
+              </a:schemeClr>
+            </a:solidFill>
+          </a:ln>
+        </p:spPr>
+        <p:style>
+          <a:lnRef idx="2">
+            <a:schemeClr val="accent1">
+              <a:shade val="15000"/>
+            </a:schemeClr>
+          </a:lnRef>
+          <a:fillRef idx="1">
+            <a:schemeClr val="accent1"/>
+          </a:fillRef>
+          <a:effectRef idx="0">
+            <a:schemeClr val="accent1"/>
+          </a:effectRef>
+          <a:fontRef idx="minor">
+            <a:schemeClr val="lt1"/>
+          </a:fontRef>
+        </p:style>
+        <p:txBody>
+          <a:bodyPr rtlCol="0" anchor="ctr"/>
+          <a:lstStyle/>
+          <a:p>
+            <a:pPr algn="ctr"/>
+            <a:r>
+              <a:rPr lang="en-US" altLang="ja-JP" dirty="0">
+                <a:solidFill>
+                  <a:schemeClr val="bg1"/>
+                </a:solidFill>
+              </a:rPr>
+              <a:t>Save</a:t>
+            </a:r>
+            <a:endParaRPr kumimoji="1" lang="ja-JP" altLang="en-US">
+              <a:solidFill>
+                <a:schemeClr val="bg1"/>
+              </a:solidFill>
+            </a:endParaRPr>
+          </a:p>
+        </p:txBody>
+      </p:sp>
     </p:spTree>
     <p:extLst>
       <p:ext uri="{BB962C8B-B14F-4D97-AF65-F5344CB8AC3E}">
@@ -13315,58 +13296,6 @@
           </a:fontRef>
         </p:style>
       </p:cxnSp>
-      <p:sp>
-        <p:nvSpPr>
-          <p:cNvPr id="21" name="正方形/長方形 20">
-            <a:extLst>
-              <a:ext uri="{FF2B5EF4-FFF2-40B4-BE49-F238E27FC236}">
-                <a16:creationId xmlns:a16="http://schemas.microsoft.com/office/drawing/2014/main" id="{7D3E6A8F-9BD2-0BA8-AA2D-83E13BAD43A2}"/>
-              </a:ext>
-            </a:extLst>
-          </p:cNvPr>
-          <p:cNvSpPr/>
-          <p:nvPr/>
-        </p:nvSpPr>
-        <p:spPr>
-          <a:xfrm>
-            <a:off x="1619955" y="6002866"/>
-            <a:ext cx="8952089" cy="689482"/>
-          </a:xfrm>
-          <a:prstGeom prst="rect">
-            <a:avLst/>
-          </a:prstGeom>
-          <a:solidFill>
-            <a:schemeClr val="bg1"/>
-          </a:solidFill>
-          <a:ln>
-            <a:noFill/>
-          </a:ln>
-        </p:spPr>
-        <p:style>
-          <a:lnRef idx="2">
-            <a:schemeClr val="accent1">
-              <a:shade val="15000"/>
-            </a:schemeClr>
-          </a:lnRef>
-          <a:fillRef idx="1">
-            <a:schemeClr val="accent1"/>
-          </a:fillRef>
-          <a:effectRef idx="0">
-            <a:schemeClr val="accent1"/>
-          </a:effectRef>
-          <a:fontRef idx="minor">
-            <a:schemeClr val="lt1"/>
-          </a:fontRef>
-        </p:style>
-        <p:txBody>
-          <a:bodyPr rtlCol="0" anchor="ctr"/>
-          <a:lstStyle/>
-          <a:p>
-            <a:pPr algn="ctr"/>
-            <a:endParaRPr kumimoji="1" lang="ja-JP" altLang="en-US"/>
-          </a:p>
-        </p:txBody>
-      </p:sp>
       <p:pic>
         <p:nvPicPr>
           <p:cNvPr id="3" name="図 2" descr="アイコン&#10;&#10;自動的に生成された説明">
@@ -13955,58 +13884,6 @@
           </a:fontRef>
         </p:style>
       </p:cxnSp>
-      <p:sp>
-        <p:nvSpPr>
-          <p:cNvPr id="21" name="正方形/長方形 20">
-            <a:extLst>
-              <a:ext uri="{FF2B5EF4-FFF2-40B4-BE49-F238E27FC236}">
-                <a16:creationId xmlns:a16="http://schemas.microsoft.com/office/drawing/2014/main" id="{7D3E6A8F-9BD2-0BA8-AA2D-83E13BAD43A2}"/>
-              </a:ext>
-            </a:extLst>
-          </p:cNvPr>
-          <p:cNvSpPr/>
-          <p:nvPr/>
-        </p:nvSpPr>
-        <p:spPr>
-          <a:xfrm>
-            <a:off x="1619955" y="6002866"/>
-            <a:ext cx="8952089" cy="689482"/>
-          </a:xfrm>
-          <a:prstGeom prst="rect">
-            <a:avLst/>
-          </a:prstGeom>
-          <a:solidFill>
-            <a:schemeClr val="bg1"/>
-          </a:solidFill>
-          <a:ln>
-            <a:noFill/>
-          </a:ln>
-        </p:spPr>
-        <p:style>
-          <a:lnRef idx="2">
-            <a:schemeClr val="accent1">
-              <a:shade val="15000"/>
-            </a:schemeClr>
-          </a:lnRef>
-          <a:fillRef idx="1">
-            <a:schemeClr val="accent1"/>
-          </a:fillRef>
-          <a:effectRef idx="0">
-            <a:schemeClr val="accent1"/>
-          </a:effectRef>
-          <a:fontRef idx="minor">
-            <a:schemeClr val="lt1"/>
-          </a:fontRef>
-        </p:style>
-        <p:txBody>
-          <a:bodyPr rtlCol="0" anchor="ctr"/>
-          <a:lstStyle/>
-          <a:p>
-            <a:pPr algn="ctr"/>
-            <a:endParaRPr kumimoji="1" lang="ja-JP" altLang="en-US"/>
-          </a:p>
-        </p:txBody>
-      </p:sp>
       <p:pic>
         <p:nvPicPr>
           <p:cNvPr id="16" name="図 15" descr="アイコン&#10;&#10;自動的に生成された説明">
@@ -17626,58 +17503,6 @@
           </a:fontRef>
         </p:style>
       </p:cxnSp>
-      <p:sp>
-        <p:nvSpPr>
-          <p:cNvPr id="21" name="正方形/長方形 20">
-            <a:extLst>
-              <a:ext uri="{FF2B5EF4-FFF2-40B4-BE49-F238E27FC236}">
-                <a16:creationId xmlns:a16="http://schemas.microsoft.com/office/drawing/2014/main" id="{7D3E6A8F-9BD2-0BA8-AA2D-83E13BAD43A2}"/>
-              </a:ext>
-            </a:extLst>
-          </p:cNvPr>
-          <p:cNvSpPr/>
-          <p:nvPr/>
-        </p:nvSpPr>
-        <p:spPr>
-          <a:xfrm>
-            <a:off x="1619955" y="6002866"/>
-            <a:ext cx="8952089" cy="689482"/>
-          </a:xfrm>
-          <a:prstGeom prst="rect">
-            <a:avLst/>
-          </a:prstGeom>
-          <a:solidFill>
-            <a:schemeClr val="bg1"/>
-          </a:solidFill>
-          <a:ln>
-            <a:noFill/>
-          </a:ln>
-        </p:spPr>
-        <p:style>
-          <a:lnRef idx="2">
-            <a:schemeClr val="accent1">
-              <a:shade val="15000"/>
-            </a:schemeClr>
-          </a:lnRef>
-          <a:fillRef idx="1">
-            <a:schemeClr val="accent1"/>
-          </a:fillRef>
-          <a:effectRef idx="0">
-            <a:schemeClr val="accent1"/>
-          </a:effectRef>
-          <a:fontRef idx="minor">
-            <a:schemeClr val="lt1"/>
-          </a:fontRef>
-        </p:style>
-        <p:txBody>
-          <a:bodyPr rtlCol="0" anchor="ctr"/>
-          <a:lstStyle/>
-          <a:p>
-            <a:pPr algn="ctr"/>
-            <a:endParaRPr kumimoji="1" lang="ja-JP" altLang="en-US"/>
-          </a:p>
-        </p:txBody>
-      </p:sp>
       <p:sp>
         <p:nvSpPr>
           <p:cNvPr id="12" name="角丸四角形 11">
